--- a/11:21/presentation.pptx
+++ b/11:21/presentation.pptx
@@ -116,6 +116,11 @@
       </a:defRPr>
     </a:lvl9pPr>
   </p:defaultTextStyle>
+  <p:extLst>
+    <p:ext uri="{EFAFB233-063F-42B5-8137-9DF3F51BA10A}">
+      <p15:sldGuideLst xmlns:p15="http://schemas.microsoft.com/office/powerpoint/2012/main"/>
+    </p:ext>
+  </p:extLst>
 </p:presentation>
 </file>
 
@@ -684,7 +689,7 @@
           <a:p>
             <a:fld id="{DDA51639-B2D6-4652-B8C3-1B4C224A7BAF}" type="datetimeFigureOut">
               <a:rPr lang="en-US" smtClean="0"/>
-              <a:t>11/21/16</a:t>
+              <a:t>11/22/16</a:t>
             </a:fld>
             <a:endParaRPr lang="en-US" dirty="0"/>
           </a:p>
@@ -855,7 +860,7 @@
           <a:p>
             <a:fld id="{D11A6AA8-A04B-4104-9AE2-BD48D340E27F}" type="datetimeFigureOut">
               <a:rPr lang="en-US" smtClean="0"/>
-              <a:t>11/21/16</a:t>
+              <a:t>11/22/16</a:t>
             </a:fld>
             <a:endParaRPr lang="en-US" dirty="0"/>
           </a:p>
@@ -1030,7 +1035,7 @@
           <a:p>
             <a:fld id="{B4E0BF79-FAC6-4A96-8DE1-F7B82E2E1652}" type="datetimeFigureOut">
               <a:rPr lang="en-US" smtClean="0"/>
-              <a:t>11/21/16</a:t>
+              <a:t>11/22/16</a:t>
             </a:fld>
             <a:endParaRPr lang="en-US" dirty="0"/>
           </a:p>
@@ -1195,7 +1200,7 @@
           <a:p>
             <a:fld id="{82FF5DD9-2C52-442D-92E2-8072C0C3D7CD}" type="datetimeFigureOut">
               <a:rPr lang="en-US" smtClean="0"/>
-              <a:t>11/21/16</a:t>
+              <a:t>11/22/16</a:t>
             </a:fld>
             <a:endParaRPr lang="en-US" dirty="0"/>
           </a:p>
@@ -1437,7 +1442,7 @@
           <a:p>
             <a:fld id="{C44961B7-6B89-48AB-966F-622E2788EECC}" type="datetimeFigureOut">
               <a:rPr lang="en-US" smtClean="0"/>
-              <a:t>11/21/16</a:t>
+              <a:t>11/22/16</a:t>
             </a:fld>
             <a:endParaRPr lang="en-US" dirty="0"/>
           </a:p>
@@ -1664,7 +1669,7 @@
           <a:p>
             <a:fld id="{DBD3D6FB-79CC-4683-A046-BBE785BA1BED}" type="datetimeFigureOut">
               <a:rPr lang="en-US" smtClean="0"/>
-              <a:t>11/21/16</a:t>
+              <a:t>11/22/16</a:t>
             </a:fld>
             <a:endParaRPr lang="en-US" dirty="0"/>
           </a:p>
@@ -2026,7 +2031,7 @@
           <a:p>
             <a:fld id="{9512B3E8-48F1-4B23-8498-D8A04A81EC9C}" type="datetimeFigureOut">
               <a:rPr lang="en-US" smtClean="0"/>
-              <a:t>11/21/16</a:t>
+              <a:t>11/22/16</a:t>
             </a:fld>
             <a:endParaRPr lang="en-US" dirty="0"/>
           </a:p>
@@ -2139,7 +2144,7 @@
           <a:p>
             <a:fld id="{10B90D90-AA62-404D-A741-635B4370F9CB}" type="datetimeFigureOut">
               <a:rPr lang="en-US" smtClean="0"/>
-              <a:t>11/21/16</a:t>
+              <a:t>11/22/16</a:t>
             </a:fld>
             <a:endParaRPr lang="en-US" dirty="0"/>
           </a:p>
@@ -2229,7 +2234,7 @@
           <a:p>
             <a:fld id="{A57002E4-6836-46D1-9DBB-3C27C0DD3A89}" type="datetimeFigureOut">
               <a:rPr lang="en-US" smtClean="0"/>
-              <a:t>11/21/16</a:t>
+              <a:t>11/22/16</a:t>
             </a:fld>
             <a:endParaRPr lang="en-US" dirty="0"/>
           </a:p>
@@ -2506,7 +2511,7 @@
           <a:p>
             <a:fld id="{1CF131DD-A141-4471-BCF9-C6073EDD7E20}" type="datetimeFigureOut">
               <a:rPr lang="en-US" smtClean="0"/>
-              <a:t>11/21/16</a:t>
+              <a:t>11/22/16</a:t>
             </a:fld>
             <a:endParaRPr lang="en-US" dirty="0"/>
           </a:p>
@@ -2764,7 +2769,7 @@
           <a:p>
             <a:fld id="{AB334A90-EB03-42F3-8859-2C2B2724C058}" type="datetimeFigureOut">
               <a:rPr lang="en-US" smtClean="0"/>
-              <a:t>11/21/16</a:t>
+              <a:t>11/22/16</a:t>
             </a:fld>
             <a:endParaRPr lang="en-US" dirty="0"/>
           </a:p>
@@ -2973,7 +2978,7 @@
           <a:p>
             <a:fld id="{CBC48EC7-AF6A-48D3-8284-14BACBEBDD84}" type="datetimeFigureOut">
               <a:rPr lang="en-US" smtClean="0"/>
-              <a:t>11/21/16</a:t>
+              <a:t>11/22/16</a:t>
             </a:fld>
             <a:endParaRPr lang="en-US" dirty="0"/>
           </a:p>
@@ -3667,6 +3672,14 @@
   <p:clrMapOvr>
     <a:masterClrMapping/>
   </p:clrMapOvr>
+  <mc:AlternateContent xmlns:mc="http://schemas.openxmlformats.org/markup-compatibility/2006">
+    <mc:Choice xmlns:p14="http://schemas.microsoft.com/office/powerpoint/2010/main" Requires="p14">
+      <p:transition p14:dur="0" advClick="0"/>
+    </mc:Choice>
+    <mc:Fallback>
+      <p:transition advClick="0"/>
+    </mc:Fallback>
+  </mc:AlternateContent>
   <p:timing>
     <p:tnLst>
       <p:par>
@@ -3679,6 +3692,9 @@
                     <p:cTn id="3" fill="hold">
                       <p:stCondLst>
                         <p:cond delay="indefinite"/>
+                        <p:cond evt="onBegin" delay="0">
+                          <p:tn val="2"/>
+                        </p:cond>
                       </p:stCondLst>
                       <p:childTnLst>
                         <p:par>
@@ -3688,7 +3704,7 @@
                             </p:stCondLst>
                             <p:childTnLst>
                               <p:par>
-                                <p:cTn id="5" presetID="38" presetClass="entr" presetSubtype="0" accel="50000" fill="hold" grpId="0" nodeType="clickEffect">
+                                <p:cTn id="5" presetID="38" presetClass="entr" presetSubtype="0" accel="50000" fill="hold" grpId="0" nodeType="withEffect">
                                   <p:stCondLst>
                                     <p:cond delay="0"/>
                                   </p:stCondLst>
@@ -4636,9 +4652,6 @@
             <a:r>
               <a:rPr lang="en-US" altLang="ko-KR" sz="9600" dirty="0" smtClean="0">
                 <a:ln w="0"/>
-                <a:solidFill>
-                  <a:srgbClr val="FFC000"/>
-                </a:solidFill>
                 <a:effectLst>
                   <a:outerShdw blurRad="38100" dist="19050" dir="2700000" algn="tl" rotWithShape="0">
                     <a:schemeClr val="dk1">
@@ -4679,13 +4692,23 @@
                   </a:outerShdw>
                 </a:effectLst>
               </a:rPr>
-              <a:t>BLOOMING”</a:t>
+              <a:t>BLOOMING</a:t>
+            </a:r>
+            <a:r>
+              <a:rPr lang="en-US" altLang="ko-KR" sz="9600" dirty="0" smtClean="0">
+                <a:ln w="0"/>
+                <a:effectLst>
+                  <a:outerShdw blurRad="38100" dist="19050" dir="2700000" algn="tl" rotWithShape="0">
+                    <a:schemeClr val="dk1">
+                      <a:alpha val="40000"/>
+                    </a:schemeClr>
+                  </a:outerShdw>
+                </a:effectLst>
+              </a:rPr>
+              <a:t>”</a:t>
             </a:r>
             <a:endParaRPr lang="en-US" altLang="ko-KR" sz="9600" b="0" cap="none" spc="0" dirty="0">
               <a:ln w="0"/>
-              <a:solidFill>
-                <a:srgbClr val="FFC000"/>
-              </a:solidFill>
               <a:effectLst>
                 <a:outerShdw blurRad="38100" dist="19050" dir="2700000" algn="tl" rotWithShape="0">
                   <a:schemeClr val="dk1">
@@ -6159,33 +6182,15 @@
                                   </p:childTnLst>
                                 </p:cTn>
                               </p:par>
-                            </p:childTnLst>
-                          </p:cTn>
-                        </p:par>
-                      </p:childTnLst>
-                    </p:cTn>
-                  </p:par>
-                  <p:par>
-                    <p:cTn id="40" fill="hold">
-                      <p:stCondLst>
-                        <p:cond delay="indefinite"/>
-                      </p:stCondLst>
-                      <p:childTnLst>
-                        <p:par>
-                          <p:cTn id="41" fill="hold">
-                            <p:stCondLst>
-                              <p:cond delay="0"/>
-                            </p:stCondLst>
-                            <p:childTnLst>
                               <p:par>
-                                <p:cTn id="42" presetID="10" presetClass="emph" presetSubtype="0" fill="hold" nodeType="clickEffect">
+                                <p:cTn id="40" presetID="10" presetClass="emph" presetSubtype="0" fill="hold" nodeType="withEffect">
                                   <p:stCondLst>
                                     <p:cond delay="0"/>
                                   </p:stCondLst>
                                   <p:childTnLst>
                                     <p:anim calcmode="discrete" valueType="str">
                                       <p:cBhvr override="childStyle">
-                                        <p:cTn id="43" dur="2000" fill="hold"/>
+                                        <p:cTn id="41" dur="2000" fill="hold"/>
                                         <p:tgtEl>
                                           <p:spTgt spid="8">
                                             <p:txEl>
@@ -6250,26 +6255,26 @@
                     </p:cTn>
                   </p:par>
                   <p:par>
-                    <p:cTn id="44" fill="hold">
+                    <p:cTn id="42" fill="hold">
                       <p:stCondLst>
                         <p:cond delay="indefinite"/>
                       </p:stCondLst>
                       <p:childTnLst>
                         <p:par>
-                          <p:cTn id="45" fill="hold">
+                          <p:cTn id="43" fill="hold">
                             <p:stCondLst>
                               <p:cond delay="0"/>
                             </p:stCondLst>
                             <p:childTnLst>
                               <p:par>
-                                <p:cTn id="46" presetID="10" presetClass="exit" presetSubtype="0" fill="hold" grpId="0" nodeType="clickEffect">
+                                <p:cTn id="44" presetID="10" presetClass="exit" presetSubtype="0" fill="hold" grpId="0" nodeType="clickEffect">
                                   <p:stCondLst>
                                     <p:cond delay="0"/>
                                   </p:stCondLst>
                                   <p:childTnLst>
                                     <p:animEffect transition="out" filter="fade">
                                       <p:cBhvr>
-                                        <p:cTn id="47" dur="500"/>
+                                        <p:cTn id="45" dur="500"/>
                                         <p:tgtEl>
                                           <p:spTgt spid="8">
                                             <p:txEl>
@@ -6281,7 +6286,7 @@
                                     </p:animEffect>
                                     <p:set>
                                       <p:cBhvr>
-                                        <p:cTn id="48" dur="1" fill="hold">
+                                        <p:cTn id="46" dur="1" fill="hold">
                                           <p:stCondLst>
                                             <p:cond delay="499"/>
                                           </p:stCondLst>
@@ -6305,14 +6310,14 @@
                                 </p:cTn>
                               </p:par>
                               <p:par>
-                                <p:cTn id="49" presetID="18" presetClass="entr" presetSubtype="12" fill="hold" grpId="1" nodeType="withEffect">
+                                <p:cTn id="47" presetID="18" presetClass="entr" presetSubtype="12" fill="hold" grpId="1" nodeType="withEffect">
                                   <p:stCondLst>
                                     <p:cond delay="0"/>
                                   </p:stCondLst>
                                   <p:childTnLst>
                                     <p:set>
                                       <p:cBhvr>
-                                        <p:cTn id="50" dur="1" fill="hold">
+                                        <p:cTn id="48" dur="1" fill="hold">
                                           <p:stCondLst>
                                             <p:cond delay="0"/>
                                           </p:stCondLst>
@@ -6330,7 +6335,7 @@
                                     </p:set>
                                     <p:animEffect transition="in" filter="strips(downLeft)">
                                       <p:cBhvr>
-                                        <p:cTn id="51" dur="500"/>
+                                        <p:cTn id="49" dur="500"/>
                                         <p:tgtEl>
                                           <p:spTgt spid="9"/>
                                         </p:tgtEl>
@@ -6340,14 +6345,14 @@
                                 </p:cTn>
                               </p:par>
                               <p:par>
-                                <p:cTn id="52" presetID="6" presetClass="emph" presetSubtype="0" fill="hold" grpId="0" nodeType="withEffect">
+                                <p:cTn id="50" presetID="6" presetClass="emph" presetSubtype="0" fill="hold" grpId="0" nodeType="withEffect">
                                   <p:stCondLst>
                                     <p:cond delay="0"/>
                                   </p:stCondLst>
                                   <p:childTnLst>
                                     <p:animScale>
                                       <p:cBhvr>
-                                        <p:cTn id="53" dur="2000" fill="hold"/>
+                                        <p:cTn id="51" dur="2000" fill="hold"/>
                                         <p:tgtEl>
                                           <p:spTgt spid="9"/>
                                         </p:tgtEl>

--- a/11:21/presentation.pptx
+++ b/11:21/presentation.pptx
@@ -518,6 +518,22 @@
           <a:bodyPr/>
           <a:lstStyle/>
           <a:p>
+            <a:r>
+              <a:rPr kumimoji="1" lang="ko-KR" altLang="en-US" dirty="0" smtClean="0"/>
+              <a:t>그냥 조원들이름</a:t>
+            </a:r>
+            <a:r>
+              <a:rPr kumimoji="1" lang="ko-KR" altLang="en-US" baseline="0" dirty="0" smtClean="0"/>
+              <a:t> 학번</a:t>
+            </a:r>
+            <a:r>
+              <a:rPr kumimoji="1" lang="en-US" altLang="ko-KR" baseline="0" dirty="0" smtClean="0"/>
+              <a:t>,</a:t>
+            </a:r>
+            <a:r>
+              <a:rPr kumimoji="1" lang="ko-KR" altLang="en-US" baseline="0" dirty="0" smtClean="0"/>
+              <a:t> 우리 조 이름 설명</a:t>
+            </a:r>
             <a:endParaRPr kumimoji="1" lang="ko-KR" altLang="en-US" dirty="0"/>
           </a:p>
         </p:txBody>
@@ -549,6 +565,828 @@
     <p:extLst>
       <p:ext uri="{BB962C8B-B14F-4D97-AF65-F5344CB8AC3E}">
         <p14:creationId xmlns:p14="http://schemas.microsoft.com/office/powerpoint/2010/main" val="1309145212"/>
+      </p:ext>
+    </p:extLst>
+  </p:cSld>
+  <p:clrMapOvr>
+    <a:masterClrMapping/>
+  </p:clrMapOvr>
+</p:notes>
+</file>
+
+<file path=ppt/notesSlides/notesSlide10.xml><?xml version="1.0" encoding="utf-8"?>
+<p:notes xmlns:a="http://schemas.openxmlformats.org/drawingml/2006/main" xmlns:r="http://schemas.openxmlformats.org/officeDocument/2006/relationships" xmlns:p="http://schemas.openxmlformats.org/presentationml/2006/main">
+  <p:cSld>
+    <p:spTree>
+      <p:nvGrpSpPr>
+        <p:cNvPr id="1" name=""/>
+        <p:cNvGrpSpPr/>
+        <p:nvPr/>
+      </p:nvGrpSpPr>
+      <p:grpSpPr>
+        <a:xfrm>
+          <a:off x="0" y="0"/>
+          <a:ext cx="0" cy="0"/>
+          <a:chOff x="0" y="0"/>
+          <a:chExt cx="0" cy="0"/>
+        </a:xfrm>
+      </p:grpSpPr>
+      <p:sp>
+        <p:nvSpPr>
+          <p:cNvPr id="2" name="슬라이드 이미지 개체 틀 1"/>
+          <p:cNvSpPr>
+            <a:spLocks noGrp="1" noRot="1" noChangeAspect="1"/>
+          </p:cNvSpPr>
+          <p:nvPr>
+            <p:ph type="sldImg"/>
+          </p:nvPr>
+        </p:nvSpPr>
+        <p:spPr/>
+      </p:sp>
+      <p:sp>
+        <p:nvSpPr>
+          <p:cNvPr id="3" name="슬라이드 노트 개체 틀 2"/>
+          <p:cNvSpPr>
+            <a:spLocks noGrp="1"/>
+          </p:cNvSpPr>
+          <p:nvPr>
+            <p:ph type="body" idx="1"/>
+          </p:nvPr>
+        </p:nvSpPr>
+        <p:spPr/>
+        <p:txBody>
+          <a:bodyPr/>
+          <a:lstStyle/>
+          <a:p>
+            <a:r>
+              <a:rPr kumimoji="1" lang="ko-KR" altLang="en-US" smtClean="0"/>
+              <a:t>아리갓또</a:t>
+            </a:r>
+            <a:r>
+              <a:rPr kumimoji="1" lang="en-US" altLang="ko-KR" smtClean="0"/>
+              <a:t>!</a:t>
+            </a:r>
+            <a:endParaRPr kumimoji="1" lang="ko-KR" altLang="en-US"/>
+          </a:p>
+        </p:txBody>
+      </p:sp>
+      <p:sp>
+        <p:nvSpPr>
+          <p:cNvPr id="4" name="슬라이드 번호 개체 틀 3"/>
+          <p:cNvSpPr>
+            <a:spLocks noGrp="1"/>
+          </p:cNvSpPr>
+          <p:nvPr>
+            <p:ph type="sldNum" sz="quarter" idx="10"/>
+          </p:nvPr>
+        </p:nvSpPr>
+        <p:spPr/>
+        <p:txBody>
+          <a:bodyPr/>
+          <a:lstStyle/>
+          <a:p>
+            <a:fld id="{97AB089B-13EC-4940-870D-A3A8B99A8CE1}" type="slidenum">
+              <a:rPr kumimoji="1" lang="ko-KR" altLang="en-US" smtClean="0"/>
+              <a:t>10</a:t>
+            </a:fld>
+            <a:endParaRPr kumimoji="1" lang="ko-KR" altLang="en-US"/>
+          </a:p>
+        </p:txBody>
+      </p:sp>
+    </p:spTree>
+    <p:extLst>
+      <p:ext uri="{BB962C8B-B14F-4D97-AF65-F5344CB8AC3E}">
+        <p14:creationId xmlns:p14="http://schemas.microsoft.com/office/powerpoint/2010/main" val="778972834"/>
+      </p:ext>
+    </p:extLst>
+  </p:cSld>
+  <p:clrMapOvr>
+    <a:masterClrMapping/>
+  </p:clrMapOvr>
+</p:notes>
+</file>
+
+<file path=ppt/notesSlides/notesSlide2.xml><?xml version="1.0" encoding="utf-8"?>
+<p:notes xmlns:a="http://schemas.openxmlformats.org/drawingml/2006/main" xmlns:r="http://schemas.openxmlformats.org/officeDocument/2006/relationships" xmlns:p="http://schemas.openxmlformats.org/presentationml/2006/main">
+  <p:cSld>
+    <p:spTree>
+      <p:nvGrpSpPr>
+        <p:cNvPr id="1" name=""/>
+        <p:cNvGrpSpPr/>
+        <p:nvPr/>
+      </p:nvGrpSpPr>
+      <p:grpSpPr>
+        <a:xfrm>
+          <a:off x="0" y="0"/>
+          <a:ext cx="0" cy="0"/>
+          <a:chOff x="0" y="0"/>
+          <a:chExt cx="0" cy="0"/>
+        </a:xfrm>
+      </p:grpSpPr>
+      <p:sp>
+        <p:nvSpPr>
+          <p:cNvPr id="2" name="슬라이드 이미지 개체 틀 1"/>
+          <p:cNvSpPr>
+            <a:spLocks noGrp="1" noRot="1" noChangeAspect="1"/>
+          </p:cNvSpPr>
+          <p:nvPr>
+            <p:ph type="sldImg"/>
+          </p:nvPr>
+        </p:nvSpPr>
+        <p:spPr/>
+      </p:sp>
+      <p:sp>
+        <p:nvSpPr>
+          <p:cNvPr id="3" name="슬라이드 노트 개체 틀 2"/>
+          <p:cNvSpPr>
+            <a:spLocks noGrp="1"/>
+          </p:cNvSpPr>
+          <p:nvPr>
+            <p:ph type="body" idx="1"/>
+          </p:nvPr>
+        </p:nvSpPr>
+        <p:spPr/>
+        <p:txBody>
+          <a:bodyPr/>
+          <a:lstStyle/>
+          <a:p>
+            <a:r>
+              <a:rPr kumimoji="1" lang="ko-KR" altLang="en-US" dirty="0" smtClean="0"/>
+              <a:t>조원들 역할이랑 깃헙에서의 닉네님 소개</a:t>
+            </a:r>
+            <a:endParaRPr kumimoji="1" lang="ko-KR" altLang="en-US" dirty="0"/>
+          </a:p>
+        </p:txBody>
+      </p:sp>
+      <p:sp>
+        <p:nvSpPr>
+          <p:cNvPr id="4" name="슬라이드 번호 개체 틀 3"/>
+          <p:cNvSpPr>
+            <a:spLocks noGrp="1"/>
+          </p:cNvSpPr>
+          <p:nvPr>
+            <p:ph type="sldNum" sz="quarter" idx="10"/>
+          </p:nvPr>
+        </p:nvSpPr>
+        <p:spPr/>
+        <p:txBody>
+          <a:bodyPr/>
+          <a:lstStyle/>
+          <a:p>
+            <a:fld id="{97AB089B-13EC-4940-870D-A3A8B99A8CE1}" type="slidenum">
+              <a:rPr kumimoji="1" lang="ko-KR" altLang="en-US" smtClean="0"/>
+              <a:t>2</a:t>
+            </a:fld>
+            <a:endParaRPr kumimoji="1" lang="ko-KR" altLang="en-US"/>
+          </a:p>
+        </p:txBody>
+      </p:sp>
+    </p:spTree>
+    <p:extLst>
+      <p:ext uri="{BB962C8B-B14F-4D97-AF65-F5344CB8AC3E}">
+        <p14:creationId xmlns:p14="http://schemas.microsoft.com/office/powerpoint/2010/main" val="1157986773"/>
+      </p:ext>
+    </p:extLst>
+  </p:cSld>
+  <p:clrMapOvr>
+    <a:masterClrMapping/>
+  </p:clrMapOvr>
+</p:notes>
+</file>
+
+<file path=ppt/notesSlides/notesSlide3.xml><?xml version="1.0" encoding="utf-8"?>
+<p:notes xmlns:a="http://schemas.openxmlformats.org/drawingml/2006/main" xmlns:r="http://schemas.openxmlformats.org/officeDocument/2006/relationships" xmlns:p="http://schemas.openxmlformats.org/presentationml/2006/main">
+  <p:cSld>
+    <p:spTree>
+      <p:nvGrpSpPr>
+        <p:cNvPr id="1" name=""/>
+        <p:cNvGrpSpPr/>
+        <p:nvPr/>
+      </p:nvGrpSpPr>
+      <p:grpSpPr>
+        <a:xfrm>
+          <a:off x="0" y="0"/>
+          <a:ext cx="0" cy="0"/>
+          <a:chOff x="0" y="0"/>
+          <a:chExt cx="0" cy="0"/>
+        </a:xfrm>
+      </p:grpSpPr>
+      <p:sp>
+        <p:nvSpPr>
+          <p:cNvPr id="2" name="슬라이드 이미지 개체 틀 1"/>
+          <p:cNvSpPr>
+            <a:spLocks noGrp="1" noRot="1" noChangeAspect="1"/>
+          </p:cNvSpPr>
+          <p:nvPr>
+            <p:ph type="sldImg"/>
+          </p:nvPr>
+        </p:nvSpPr>
+        <p:spPr/>
+      </p:sp>
+      <p:sp>
+        <p:nvSpPr>
+          <p:cNvPr id="3" name="슬라이드 노트 개체 틀 2"/>
+          <p:cNvSpPr>
+            <a:spLocks noGrp="1"/>
+          </p:cNvSpPr>
+          <p:nvPr>
+            <p:ph type="body" idx="1"/>
+          </p:nvPr>
+        </p:nvSpPr>
+        <p:spPr/>
+        <p:txBody>
+          <a:bodyPr/>
+          <a:lstStyle/>
+          <a:p>
+            <a:r>
+              <a:rPr kumimoji="1" lang="ko-KR" altLang="en-US" dirty="0" smtClean="0"/>
+              <a:t>블루밍이라고 지은 이유</a:t>
+            </a:r>
+            <a:endParaRPr kumimoji="1" lang="ko-KR" altLang="en-US" dirty="0"/>
+          </a:p>
+        </p:txBody>
+      </p:sp>
+      <p:sp>
+        <p:nvSpPr>
+          <p:cNvPr id="4" name="슬라이드 번호 개체 틀 3"/>
+          <p:cNvSpPr>
+            <a:spLocks noGrp="1"/>
+          </p:cNvSpPr>
+          <p:nvPr>
+            <p:ph type="sldNum" sz="quarter" idx="10"/>
+          </p:nvPr>
+        </p:nvSpPr>
+        <p:spPr/>
+        <p:txBody>
+          <a:bodyPr/>
+          <a:lstStyle/>
+          <a:p>
+            <a:fld id="{97AB089B-13EC-4940-870D-A3A8B99A8CE1}" type="slidenum">
+              <a:rPr kumimoji="1" lang="ko-KR" altLang="en-US" smtClean="0"/>
+              <a:t>3</a:t>
+            </a:fld>
+            <a:endParaRPr kumimoji="1" lang="ko-KR" altLang="en-US"/>
+          </a:p>
+        </p:txBody>
+      </p:sp>
+    </p:spTree>
+    <p:extLst>
+      <p:ext uri="{BB962C8B-B14F-4D97-AF65-F5344CB8AC3E}">
+        <p14:creationId xmlns:p14="http://schemas.microsoft.com/office/powerpoint/2010/main" val="433919092"/>
+      </p:ext>
+    </p:extLst>
+  </p:cSld>
+  <p:clrMapOvr>
+    <a:masterClrMapping/>
+  </p:clrMapOvr>
+</p:notes>
+</file>
+
+<file path=ppt/notesSlides/notesSlide4.xml><?xml version="1.0" encoding="utf-8"?>
+<p:notes xmlns:a="http://schemas.openxmlformats.org/drawingml/2006/main" xmlns:r="http://schemas.openxmlformats.org/officeDocument/2006/relationships" xmlns:p="http://schemas.openxmlformats.org/presentationml/2006/main">
+  <p:cSld>
+    <p:spTree>
+      <p:nvGrpSpPr>
+        <p:cNvPr id="1" name=""/>
+        <p:cNvGrpSpPr/>
+        <p:nvPr/>
+      </p:nvGrpSpPr>
+      <p:grpSpPr>
+        <a:xfrm>
+          <a:off x="0" y="0"/>
+          <a:ext cx="0" cy="0"/>
+          <a:chOff x="0" y="0"/>
+          <a:chExt cx="0" cy="0"/>
+        </a:xfrm>
+      </p:grpSpPr>
+      <p:sp>
+        <p:nvSpPr>
+          <p:cNvPr id="2" name="슬라이드 이미지 개체 틀 1"/>
+          <p:cNvSpPr>
+            <a:spLocks noGrp="1" noRot="1" noChangeAspect="1"/>
+          </p:cNvSpPr>
+          <p:nvPr>
+            <p:ph type="sldImg"/>
+          </p:nvPr>
+        </p:nvSpPr>
+        <p:spPr/>
+      </p:sp>
+      <p:sp>
+        <p:nvSpPr>
+          <p:cNvPr id="3" name="슬라이드 노트 개체 틀 2"/>
+          <p:cNvSpPr>
+            <a:spLocks noGrp="1"/>
+          </p:cNvSpPr>
+          <p:nvPr>
+            <p:ph type="body" idx="1"/>
+          </p:nvPr>
+        </p:nvSpPr>
+        <p:spPr/>
+        <p:txBody>
+          <a:bodyPr/>
+          <a:lstStyle/>
+          <a:p>
+            <a:r>
+              <a:rPr kumimoji="1" lang="ko-KR" altLang="en-US" dirty="0" smtClean="0"/>
+              <a:t>블루밍 프로젝트 설명</a:t>
+            </a:r>
+            <a:endParaRPr kumimoji="1" lang="en-US" altLang="ko-KR" dirty="0" smtClean="0"/>
+          </a:p>
+          <a:p>
+            <a:r>
+              <a:rPr kumimoji="1" lang="ko-KR" altLang="en-US" dirty="0" smtClean="0"/>
+              <a:t>음식이나 뷰티 영화 음악을 보려면 각자의 홈페이지에서 따로따로 봐야하는데 귀찮응께</a:t>
+            </a:r>
+            <a:endParaRPr kumimoji="1" lang="en-US" altLang="ko-KR" dirty="0" smtClean="0"/>
+          </a:p>
+          <a:p>
+            <a:r>
+              <a:rPr kumimoji="1" lang="ko-KR" altLang="en-US" dirty="0" smtClean="0"/>
+              <a:t>한번에 볼수있는 웹사이트를 우리가 제작하겠다</a:t>
+            </a:r>
+            <a:r>
+              <a:rPr kumimoji="1" lang="en-US" altLang="ko-KR" dirty="0" smtClean="0"/>
+              <a:t>!</a:t>
+            </a:r>
+            <a:r>
+              <a:rPr kumimoji="1" lang="ko-KR" altLang="en-US" dirty="0" smtClean="0"/>
+              <a:t> 대충 이런 내용을 영어로 장황하게 써놈</a:t>
+            </a:r>
+            <a:r>
+              <a:rPr kumimoji="1" lang="en-US" altLang="ko-KR" dirty="0" smtClean="0"/>
+              <a:t>.</a:t>
+            </a:r>
+            <a:endParaRPr kumimoji="1" lang="ko-KR" altLang="en-US" dirty="0"/>
+          </a:p>
+        </p:txBody>
+      </p:sp>
+      <p:sp>
+        <p:nvSpPr>
+          <p:cNvPr id="4" name="슬라이드 번호 개체 틀 3"/>
+          <p:cNvSpPr>
+            <a:spLocks noGrp="1"/>
+          </p:cNvSpPr>
+          <p:nvPr>
+            <p:ph type="sldNum" sz="quarter" idx="10"/>
+          </p:nvPr>
+        </p:nvSpPr>
+        <p:spPr/>
+        <p:txBody>
+          <a:bodyPr/>
+          <a:lstStyle/>
+          <a:p>
+            <a:fld id="{97AB089B-13EC-4940-870D-A3A8B99A8CE1}" type="slidenum">
+              <a:rPr kumimoji="1" lang="ko-KR" altLang="en-US" smtClean="0"/>
+              <a:t>4</a:t>
+            </a:fld>
+            <a:endParaRPr kumimoji="1" lang="ko-KR" altLang="en-US"/>
+          </a:p>
+        </p:txBody>
+      </p:sp>
+    </p:spTree>
+    <p:extLst>
+      <p:ext uri="{BB962C8B-B14F-4D97-AF65-F5344CB8AC3E}">
+        <p14:creationId xmlns:p14="http://schemas.microsoft.com/office/powerpoint/2010/main" val="1736454658"/>
+      </p:ext>
+    </p:extLst>
+  </p:cSld>
+  <p:clrMapOvr>
+    <a:masterClrMapping/>
+  </p:clrMapOvr>
+</p:notes>
+</file>
+
+<file path=ppt/notesSlides/notesSlide5.xml><?xml version="1.0" encoding="utf-8"?>
+<p:notes xmlns:a="http://schemas.openxmlformats.org/drawingml/2006/main" xmlns:r="http://schemas.openxmlformats.org/officeDocument/2006/relationships" xmlns:p="http://schemas.openxmlformats.org/presentationml/2006/main">
+  <p:cSld>
+    <p:spTree>
+      <p:nvGrpSpPr>
+        <p:cNvPr id="1" name=""/>
+        <p:cNvGrpSpPr/>
+        <p:nvPr/>
+      </p:nvGrpSpPr>
+      <p:grpSpPr>
+        <a:xfrm>
+          <a:off x="0" y="0"/>
+          <a:ext cx="0" cy="0"/>
+          <a:chOff x="0" y="0"/>
+          <a:chExt cx="0" cy="0"/>
+        </a:xfrm>
+      </p:grpSpPr>
+      <p:sp>
+        <p:nvSpPr>
+          <p:cNvPr id="2" name="슬라이드 이미지 개체 틀 1"/>
+          <p:cNvSpPr>
+            <a:spLocks noGrp="1" noRot="1" noChangeAspect="1"/>
+          </p:cNvSpPr>
+          <p:nvPr>
+            <p:ph type="sldImg"/>
+          </p:nvPr>
+        </p:nvSpPr>
+        <p:spPr/>
+      </p:sp>
+      <p:sp>
+        <p:nvSpPr>
+          <p:cNvPr id="3" name="슬라이드 노트 개체 틀 2"/>
+          <p:cNvSpPr>
+            <a:spLocks noGrp="1"/>
+          </p:cNvSpPr>
+          <p:nvPr>
+            <p:ph type="body" idx="1"/>
+          </p:nvPr>
+        </p:nvSpPr>
+        <p:spPr/>
+        <p:txBody>
+          <a:bodyPr/>
+          <a:lstStyle/>
+          <a:p>
+            <a:r>
+              <a:rPr kumimoji="1" lang="ko-KR" altLang="en-US" dirty="0" smtClean="0"/>
+              <a:t>우리가 이번시간까지 조사하기로 한 역할 발표</a:t>
+            </a:r>
+            <a:endParaRPr kumimoji="1" lang="ko-KR" altLang="en-US" dirty="0"/>
+          </a:p>
+        </p:txBody>
+      </p:sp>
+      <p:sp>
+        <p:nvSpPr>
+          <p:cNvPr id="4" name="슬라이드 번호 개체 틀 3"/>
+          <p:cNvSpPr>
+            <a:spLocks noGrp="1"/>
+          </p:cNvSpPr>
+          <p:nvPr>
+            <p:ph type="sldNum" sz="quarter" idx="10"/>
+          </p:nvPr>
+        </p:nvSpPr>
+        <p:spPr/>
+        <p:txBody>
+          <a:bodyPr/>
+          <a:lstStyle/>
+          <a:p>
+            <a:fld id="{97AB089B-13EC-4940-870D-A3A8B99A8CE1}" type="slidenum">
+              <a:rPr kumimoji="1" lang="ko-KR" altLang="en-US" smtClean="0"/>
+              <a:t>5</a:t>
+            </a:fld>
+            <a:endParaRPr kumimoji="1" lang="ko-KR" altLang="en-US"/>
+          </a:p>
+        </p:txBody>
+      </p:sp>
+    </p:spTree>
+    <p:extLst>
+      <p:ext uri="{BB962C8B-B14F-4D97-AF65-F5344CB8AC3E}">
+        <p14:creationId xmlns:p14="http://schemas.microsoft.com/office/powerpoint/2010/main" val="418240488"/>
+      </p:ext>
+    </p:extLst>
+  </p:cSld>
+  <p:clrMapOvr>
+    <a:masterClrMapping/>
+  </p:clrMapOvr>
+</p:notes>
+</file>
+
+<file path=ppt/notesSlides/notesSlide6.xml><?xml version="1.0" encoding="utf-8"?>
+<p:notes xmlns:a="http://schemas.openxmlformats.org/drawingml/2006/main" xmlns:r="http://schemas.openxmlformats.org/officeDocument/2006/relationships" xmlns:p="http://schemas.openxmlformats.org/presentationml/2006/main">
+  <p:cSld>
+    <p:spTree>
+      <p:nvGrpSpPr>
+        <p:cNvPr id="1" name=""/>
+        <p:cNvGrpSpPr/>
+        <p:nvPr/>
+      </p:nvGrpSpPr>
+      <p:grpSpPr>
+        <a:xfrm>
+          <a:off x="0" y="0"/>
+          <a:ext cx="0" cy="0"/>
+          <a:chOff x="0" y="0"/>
+          <a:chExt cx="0" cy="0"/>
+        </a:xfrm>
+      </p:grpSpPr>
+      <p:sp>
+        <p:nvSpPr>
+          <p:cNvPr id="2" name="슬라이드 이미지 개체 틀 1"/>
+          <p:cNvSpPr>
+            <a:spLocks noGrp="1" noRot="1" noChangeAspect="1"/>
+          </p:cNvSpPr>
+          <p:nvPr>
+            <p:ph type="sldImg"/>
+          </p:nvPr>
+        </p:nvSpPr>
+        <p:spPr/>
+      </p:sp>
+      <p:sp>
+        <p:nvSpPr>
+          <p:cNvPr id="3" name="슬라이드 노트 개체 틀 2"/>
+          <p:cNvSpPr>
+            <a:spLocks noGrp="1"/>
+          </p:cNvSpPr>
+          <p:nvPr>
+            <p:ph type="body" idx="1"/>
+          </p:nvPr>
+        </p:nvSpPr>
+        <p:spPr/>
+        <p:txBody>
+          <a:bodyPr/>
+          <a:lstStyle/>
+          <a:p>
+            <a:r>
+              <a:rPr kumimoji="1" lang="ko-KR" altLang="en-US" dirty="0" smtClean="0"/>
+              <a:t>혜민이의 발표</a:t>
+            </a:r>
+            <a:endParaRPr kumimoji="1" lang="ko-KR" altLang="en-US" dirty="0"/>
+          </a:p>
+        </p:txBody>
+      </p:sp>
+      <p:sp>
+        <p:nvSpPr>
+          <p:cNvPr id="4" name="슬라이드 번호 개체 틀 3"/>
+          <p:cNvSpPr>
+            <a:spLocks noGrp="1"/>
+          </p:cNvSpPr>
+          <p:nvPr>
+            <p:ph type="sldNum" sz="quarter" idx="10"/>
+          </p:nvPr>
+        </p:nvSpPr>
+        <p:spPr/>
+        <p:txBody>
+          <a:bodyPr/>
+          <a:lstStyle/>
+          <a:p>
+            <a:fld id="{97AB089B-13EC-4940-870D-A3A8B99A8CE1}" type="slidenum">
+              <a:rPr kumimoji="1" lang="ko-KR" altLang="en-US" smtClean="0"/>
+              <a:t>6</a:t>
+            </a:fld>
+            <a:endParaRPr kumimoji="1" lang="ko-KR" altLang="en-US"/>
+          </a:p>
+        </p:txBody>
+      </p:sp>
+    </p:spTree>
+    <p:extLst>
+      <p:ext uri="{BB962C8B-B14F-4D97-AF65-F5344CB8AC3E}">
+        <p14:creationId xmlns:p14="http://schemas.microsoft.com/office/powerpoint/2010/main" val="785286477"/>
+      </p:ext>
+    </p:extLst>
+  </p:cSld>
+  <p:clrMapOvr>
+    <a:masterClrMapping/>
+  </p:clrMapOvr>
+</p:notes>
+</file>
+
+<file path=ppt/notesSlides/notesSlide7.xml><?xml version="1.0" encoding="utf-8"?>
+<p:notes xmlns:a="http://schemas.openxmlformats.org/drawingml/2006/main" xmlns:r="http://schemas.openxmlformats.org/officeDocument/2006/relationships" xmlns:p="http://schemas.openxmlformats.org/presentationml/2006/main">
+  <p:cSld>
+    <p:spTree>
+      <p:nvGrpSpPr>
+        <p:cNvPr id="1" name=""/>
+        <p:cNvGrpSpPr/>
+        <p:nvPr/>
+      </p:nvGrpSpPr>
+      <p:grpSpPr>
+        <a:xfrm>
+          <a:off x="0" y="0"/>
+          <a:ext cx="0" cy="0"/>
+          <a:chOff x="0" y="0"/>
+          <a:chExt cx="0" cy="0"/>
+        </a:xfrm>
+      </p:grpSpPr>
+      <p:sp>
+        <p:nvSpPr>
+          <p:cNvPr id="2" name="슬라이드 이미지 개체 틀 1"/>
+          <p:cNvSpPr>
+            <a:spLocks noGrp="1" noRot="1" noChangeAspect="1"/>
+          </p:cNvSpPr>
+          <p:nvPr>
+            <p:ph type="sldImg"/>
+          </p:nvPr>
+        </p:nvSpPr>
+        <p:spPr/>
+      </p:sp>
+      <p:sp>
+        <p:nvSpPr>
+          <p:cNvPr id="3" name="슬라이드 노트 개체 틀 2"/>
+          <p:cNvSpPr>
+            <a:spLocks noGrp="1"/>
+          </p:cNvSpPr>
+          <p:nvPr>
+            <p:ph type="body" idx="1"/>
+          </p:nvPr>
+        </p:nvSpPr>
+        <p:spPr/>
+        <p:txBody>
+          <a:bodyPr/>
+          <a:lstStyle/>
+          <a:p>
+            <a:r>
+              <a:rPr kumimoji="1" lang="ko-KR" altLang="en-US" dirty="0" smtClean="0"/>
+              <a:t>가영이의 발표</a:t>
+            </a:r>
+            <a:endParaRPr kumimoji="1" lang="ko-KR" altLang="en-US" dirty="0"/>
+          </a:p>
+        </p:txBody>
+      </p:sp>
+      <p:sp>
+        <p:nvSpPr>
+          <p:cNvPr id="4" name="슬라이드 번호 개체 틀 3"/>
+          <p:cNvSpPr>
+            <a:spLocks noGrp="1"/>
+          </p:cNvSpPr>
+          <p:nvPr>
+            <p:ph type="sldNum" sz="quarter" idx="10"/>
+          </p:nvPr>
+        </p:nvSpPr>
+        <p:spPr/>
+        <p:txBody>
+          <a:bodyPr/>
+          <a:lstStyle/>
+          <a:p>
+            <a:fld id="{97AB089B-13EC-4940-870D-A3A8B99A8CE1}" type="slidenum">
+              <a:rPr kumimoji="1" lang="ko-KR" altLang="en-US" smtClean="0"/>
+              <a:t>7</a:t>
+            </a:fld>
+            <a:endParaRPr kumimoji="1" lang="ko-KR" altLang="en-US"/>
+          </a:p>
+        </p:txBody>
+      </p:sp>
+    </p:spTree>
+    <p:extLst>
+      <p:ext uri="{BB962C8B-B14F-4D97-AF65-F5344CB8AC3E}">
+        <p14:creationId xmlns:p14="http://schemas.microsoft.com/office/powerpoint/2010/main" val="2022808124"/>
+      </p:ext>
+    </p:extLst>
+  </p:cSld>
+  <p:clrMapOvr>
+    <a:masterClrMapping/>
+  </p:clrMapOvr>
+</p:notes>
+</file>
+
+<file path=ppt/notesSlides/notesSlide8.xml><?xml version="1.0" encoding="utf-8"?>
+<p:notes xmlns:a="http://schemas.openxmlformats.org/drawingml/2006/main" xmlns:r="http://schemas.openxmlformats.org/officeDocument/2006/relationships" xmlns:p="http://schemas.openxmlformats.org/presentationml/2006/main">
+  <p:cSld>
+    <p:spTree>
+      <p:nvGrpSpPr>
+        <p:cNvPr id="1" name=""/>
+        <p:cNvGrpSpPr/>
+        <p:nvPr/>
+      </p:nvGrpSpPr>
+      <p:grpSpPr>
+        <a:xfrm>
+          <a:off x="0" y="0"/>
+          <a:ext cx="0" cy="0"/>
+          <a:chOff x="0" y="0"/>
+          <a:chExt cx="0" cy="0"/>
+        </a:xfrm>
+      </p:grpSpPr>
+      <p:sp>
+        <p:nvSpPr>
+          <p:cNvPr id="2" name="슬라이드 이미지 개체 틀 1"/>
+          <p:cNvSpPr>
+            <a:spLocks noGrp="1" noRot="1" noChangeAspect="1"/>
+          </p:cNvSpPr>
+          <p:nvPr>
+            <p:ph type="sldImg"/>
+          </p:nvPr>
+        </p:nvSpPr>
+        <p:spPr/>
+      </p:sp>
+      <p:sp>
+        <p:nvSpPr>
+          <p:cNvPr id="3" name="슬라이드 노트 개체 틀 2"/>
+          <p:cNvSpPr>
+            <a:spLocks noGrp="1"/>
+          </p:cNvSpPr>
+          <p:nvPr>
+            <p:ph type="body" idx="1"/>
+          </p:nvPr>
+        </p:nvSpPr>
+        <p:spPr/>
+        <p:txBody>
+          <a:bodyPr/>
+          <a:lstStyle/>
+          <a:p>
+            <a:r>
+              <a:rPr kumimoji="1" lang="ko-KR" altLang="en-US" dirty="0" smtClean="0"/>
+              <a:t>지형오빠의 발표</a:t>
+            </a:r>
+            <a:endParaRPr kumimoji="1" lang="ko-KR" altLang="en-US" dirty="0"/>
+          </a:p>
+        </p:txBody>
+      </p:sp>
+      <p:sp>
+        <p:nvSpPr>
+          <p:cNvPr id="4" name="슬라이드 번호 개체 틀 3"/>
+          <p:cNvSpPr>
+            <a:spLocks noGrp="1"/>
+          </p:cNvSpPr>
+          <p:nvPr>
+            <p:ph type="sldNum" sz="quarter" idx="10"/>
+          </p:nvPr>
+        </p:nvSpPr>
+        <p:spPr/>
+        <p:txBody>
+          <a:bodyPr/>
+          <a:lstStyle/>
+          <a:p>
+            <a:fld id="{97AB089B-13EC-4940-870D-A3A8B99A8CE1}" type="slidenum">
+              <a:rPr kumimoji="1" lang="ko-KR" altLang="en-US" smtClean="0"/>
+              <a:t>8</a:t>
+            </a:fld>
+            <a:endParaRPr kumimoji="1" lang="ko-KR" altLang="en-US"/>
+          </a:p>
+        </p:txBody>
+      </p:sp>
+    </p:spTree>
+    <p:extLst>
+      <p:ext uri="{BB962C8B-B14F-4D97-AF65-F5344CB8AC3E}">
+        <p14:creationId xmlns:p14="http://schemas.microsoft.com/office/powerpoint/2010/main" val="1993777428"/>
+      </p:ext>
+    </p:extLst>
+  </p:cSld>
+  <p:clrMapOvr>
+    <a:masterClrMapping/>
+  </p:clrMapOvr>
+</p:notes>
+</file>
+
+<file path=ppt/notesSlides/notesSlide9.xml><?xml version="1.0" encoding="utf-8"?>
+<p:notes xmlns:a="http://schemas.openxmlformats.org/drawingml/2006/main" xmlns:r="http://schemas.openxmlformats.org/officeDocument/2006/relationships" xmlns:p="http://schemas.openxmlformats.org/presentationml/2006/main">
+  <p:cSld>
+    <p:spTree>
+      <p:nvGrpSpPr>
+        <p:cNvPr id="1" name=""/>
+        <p:cNvGrpSpPr/>
+        <p:nvPr/>
+      </p:nvGrpSpPr>
+      <p:grpSpPr>
+        <a:xfrm>
+          <a:off x="0" y="0"/>
+          <a:ext cx="0" cy="0"/>
+          <a:chOff x="0" y="0"/>
+          <a:chExt cx="0" cy="0"/>
+        </a:xfrm>
+      </p:grpSpPr>
+      <p:sp>
+        <p:nvSpPr>
+          <p:cNvPr id="2" name="슬라이드 이미지 개체 틀 1"/>
+          <p:cNvSpPr>
+            <a:spLocks noGrp="1" noRot="1" noChangeAspect="1"/>
+          </p:cNvSpPr>
+          <p:nvPr>
+            <p:ph type="sldImg"/>
+          </p:nvPr>
+        </p:nvSpPr>
+        <p:spPr/>
+      </p:sp>
+      <p:sp>
+        <p:nvSpPr>
+          <p:cNvPr id="3" name="슬라이드 노트 개체 틀 2"/>
+          <p:cNvSpPr>
+            <a:spLocks noGrp="1"/>
+          </p:cNvSpPr>
+          <p:nvPr>
+            <p:ph type="body" idx="1"/>
+          </p:nvPr>
+        </p:nvSpPr>
+        <p:spPr/>
+        <p:txBody>
+          <a:bodyPr/>
+          <a:lstStyle/>
+          <a:p>
+            <a:r>
+              <a:rPr kumimoji="1" lang="ko-KR" altLang="en-US" dirty="0" smtClean="0"/>
+              <a:t>담주에 할거</a:t>
+            </a:r>
+            <a:endParaRPr kumimoji="1" lang="ko-KR" altLang="en-US" dirty="0"/>
+          </a:p>
+        </p:txBody>
+      </p:sp>
+      <p:sp>
+        <p:nvSpPr>
+          <p:cNvPr id="4" name="슬라이드 번호 개체 틀 3"/>
+          <p:cNvSpPr>
+            <a:spLocks noGrp="1"/>
+          </p:cNvSpPr>
+          <p:nvPr>
+            <p:ph type="sldNum" sz="quarter" idx="10"/>
+          </p:nvPr>
+        </p:nvSpPr>
+        <p:spPr/>
+        <p:txBody>
+          <a:bodyPr/>
+          <a:lstStyle/>
+          <a:p>
+            <a:fld id="{97AB089B-13EC-4940-870D-A3A8B99A8CE1}" type="slidenum">
+              <a:rPr kumimoji="1" lang="ko-KR" altLang="en-US" smtClean="0"/>
+              <a:t>9</a:t>
+            </a:fld>
+            <a:endParaRPr kumimoji="1" lang="ko-KR" altLang="en-US"/>
+          </a:p>
+        </p:txBody>
+      </p:sp>
+    </p:spTree>
+    <p:extLst>
+      <p:ext uri="{BB962C8B-B14F-4D97-AF65-F5344CB8AC3E}">
+        <p14:creationId xmlns:p14="http://schemas.microsoft.com/office/powerpoint/2010/main" val="82404608"/>
       </p:ext>
     </p:extLst>
   </p:cSld>
@@ -3672,11 +4510,11 @@
   <p:clrMapOvr>
     <a:masterClrMapping/>
   </p:clrMapOvr>
-  <mc:AlternateContent xmlns:mc="http://schemas.openxmlformats.org/markup-compatibility/2006">
-    <mc:Choice xmlns:p14="http://schemas.microsoft.com/office/powerpoint/2010/main" Requires="p14">
+  <mc:AlternateContent xmlns:mc="http://schemas.openxmlformats.org/markup-compatibility/2006" xmlns:p14="http://schemas.microsoft.com/office/powerpoint/2010/main">
+    <mc:Choice Requires="p14">
       <p:transition p14:dur="0" advClick="0"/>
     </mc:Choice>
-    <mc:Fallback>
+    <mc:Fallback xmlns="">
       <p:transition advClick="0"/>
     </mc:Fallback>
   </mc:AlternateContent>
@@ -4495,7 +5333,7 @@
           </p:nvPr>
         </p:nvPicPr>
         <p:blipFill>
-          <a:blip r:embed="rId3">
+          <a:blip r:embed="rId4">
             <a:alphaModFix/>
             <a:extLst>
               <a:ext uri="{28A0092B-C50C-407E-A947-70E740481C1C}">
@@ -4993,7 +5831,7 @@
                                           </p:endCondLst>
                                         </p:cTn>
                                         <p:tgtEl>
-                                          <p:sndTgt r:embed="rId2" name="Bubbles.wav"/>
+                                          <p:sndTgt r:embed="rId3" name="Bubbles.wav"/>
                                         </p:tgtEl>
                                       </p:cMediaNode>
                                     </p:audio>
@@ -6759,36 +7597,36 @@
           <a:lstStyle/>
           <a:p>
             <a:endParaRPr kumimoji="1" lang="en-US" altLang="ko-KR" dirty="0" smtClean="0">
-              <a:hlinkClick r:id="rId2" action="ppaction://hlinkfile"/>
+              <a:hlinkClick r:id="rId3" action="ppaction://hlinkfile"/>
             </a:endParaRPr>
           </a:p>
           <a:p>
             <a:endParaRPr kumimoji="1" lang="en-US" altLang="ko-KR" dirty="0">
-              <a:hlinkClick r:id="rId2" action="ppaction://hlinkfile"/>
+              <a:hlinkClick r:id="rId3" action="ppaction://hlinkfile"/>
             </a:endParaRPr>
           </a:p>
           <a:p>
             <a:endParaRPr kumimoji="1" lang="en-US" altLang="ko-KR" dirty="0" smtClean="0">
-              <a:hlinkClick r:id="rId2" action="ppaction://hlinkfile"/>
+              <a:hlinkClick r:id="rId3" action="ppaction://hlinkfile"/>
             </a:endParaRPr>
           </a:p>
           <a:p>
             <a:pPr algn="ctr"/>
             <a:r>
               <a:rPr kumimoji="1" lang="en-US" altLang="ko-KR" dirty="0" smtClean="0">
-                <a:hlinkClick r:id="rId2" action="ppaction://hlinkfile"/>
+                <a:hlinkClick r:id="rId3" action="ppaction://hlinkfile"/>
               </a:rPr>
               <a:t>file</a:t>
             </a:r>
             <a:r>
               <a:rPr kumimoji="1" lang="en-US" altLang="ko-KR" dirty="0">
-                <a:hlinkClick r:id="rId2" action="ppaction://hlinkfile"/>
+                <a:hlinkClick r:id="rId3" action="ppaction://hlinkfile"/>
               </a:rPr>
               <a:t>:///</a:t>
             </a:r>
             <a:r>
               <a:rPr kumimoji="1" lang="en-US" altLang="ko-KR" dirty="0" smtClean="0">
-                <a:hlinkClick r:id="rId2" action="ppaction://hlinkfile"/>
+                <a:hlinkClick r:id="rId3" action="ppaction://hlinkfile"/>
               </a:rPr>
               <a:t>Users/yungoing/Desktop/teamplay/29-bblooming/11:21/1.html</a:t>
             </a:r>
